--- a/SDDS Cheat Sheet.pptx
+++ b/SDDS Cheat Sheet.pptx
@@ -197,7 +197,7 @@
             <a:fld id="{A849C5AD-4428-4E9C-9C84-11B72C9365FB}" type="datetimeFigureOut">
               <a:rPr lang="en-US" smtClean="0"/>
               <a:pPr/>
-              <a:t>4/2/2019</a:t>
+              <a:t>8/30/2019</a:t>
             </a:fld>
             <a:endParaRPr lang="en-US" smtClean="0"/>
           </a:p>
@@ -351,7 +351,7 @@
             <a:fld id="{D7547E60-4BE7-4E4E-9AAA-5EE35AEC995C}" type="datetimeFigureOut">
               <a:rPr lang="en-US" smtClean="0"/>
               <a:pPr/>
-              <a:t>4/2/2019</a:t>
+              <a:t>8/30/2019</a:t>
             </a:fld>
             <a:endParaRPr lang="en-US" smtClean="0"/>
           </a:p>
@@ -863,7 +863,7 @@
             <a:fld id="{5C14FD69-4A85-4715-A222-ABB225B63BC6}" type="datetimeFigureOut">
               <a:rPr lang="en-US" smtClean="0"/>
               <a:pPr/>
-              <a:t>4/2/2019</a:t>
+              <a:t>8/30/2019</a:t>
             </a:fld>
             <a:endParaRPr lang="en-US"/>
           </a:p>
@@ -1042,7 +1042,7 @@
             <a:fld id="{5C14FD69-4A85-4715-A222-ABB225B63BC6}" type="datetimeFigureOut">
               <a:rPr lang="en-US" smtClean="0"/>
               <a:pPr/>
-              <a:t>4/2/2019</a:t>
+              <a:t>8/30/2019</a:t>
             </a:fld>
             <a:endParaRPr lang="en-US"/>
           </a:p>
@@ -1169,7 +1169,7 @@
             <a:fld id="{5C14FD69-4A85-4715-A222-ABB225B63BC6}" type="datetimeFigureOut">
               <a:rPr lang="en-US" smtClean="0"/>
               <a:pPr/>
-              <a:t>4/2/2019</a:t>
+              <a:t>8/30/2019</a:t>
             </a:fld>
             <a:endParaRPr lang="en-US"/>
           </a:p>
@@ -1262,7 +1262,7 @@
             <a:fld id="{5C14FD69-4A85-4715-A222-ABB225B63BC6}" type="datetimeFigureOut">
               <a:rPr lang="en-US" smtClean="0"/>
               <a:pPr/>
-              <a:t>4/2/2019</a:t>
+              <a:t>8/30/2019</a:t>
             </a:fld>
             <a:endParaRPr lang="en-US"/>
           </a:p>
@@ -1503,7 +1503,7 @@
             <a:fld id="{5C14FD69-4A85-4715-A222-ABB225B63BC6}" type="datetimeFigureOut">
               <a:rPr lang="en-US" smtClean="0"/>
               <a:pPr/>
-              <a:t>4/2/2019</a:t>
+              <a:t>8/30/2019</a:t>
             </a:fld>
             <a:endParaRPr lang="en-US"/>
           </a:p>
@@ -1682,7 +1682,7 @@
             <a:fld id="{5C14FD69-4A85-4715-A222-ABB225B63BC6}" type="datetimeFigureOut">
               <a:rPr lang="en-US" smtClean="0"/>
               <a:pPr/>
-              <a:t>4/2/2019</a:t>
+              <a:t>8/30/2019</a:t>
             </a:fld>
             <a:endParaRPr lang="en-US"/>
           </a:p>
@@ -1923,7 +1923,7 @@
             <a:fld id="{5C14FD69-4A85-4715-A222-ABB225B63BC6}" type="datetimeFigureOut">
               <a:rPr lang="en-US" smtClean="0"/>
               <a:pPr/>
-              <a:t>4/2/2019</a:t>
+              <a:t>8/30/2019</a:t>
             </a:fld>
             <a:endParaRPr lang="en-US"/>
           </a:p>
@@ -2197,7 +2197,7 @@
             <a:fld id="{5C14FD69-4A85-4715-A222-ABB225B63BC6}" type="datetimeFigureOut">
               <a:rPr lang="en-US" smtClean="0"/>
               <a:pPr/>
-              <a:t>4/2/2019</a:t>
+              <a:t>8/30/2019</a:t>
             </a:fld>
             <a:endParaRPr lang="en-US" sz="1000" dirty="0" smtClean="0"/>
           </a:p>
@@ -4456,7 +4456,7 @@
           <p:nvPr>
             <p:extLst>
               <p:ext uri="{D42A27DB-BD31-4B8C-83A1-F6EECF244321}">
-                <p14:modId xmlns:p14="http://schemas.microsoft.com/office/powerpoint/2010/main" val="4272714648"/>
+                <p14:modId xmlns:p14="http://schemas.microsoft.com/office/powerpoint/2010/main" val="3928828774"/>
               </p:ext>
             </p:extLst>
           </p:nvPr>
@@ -4549,10 +4549,10 @@
                     <a:lstStyle/>
                     <a:p>
                       <a:r>
-                        <a:rPr lang="en-US" sz="1600" dirty="0" err="1">
-                          <a:effectLst/>
-                        </a:rPr>
-                        <a:t>after_change</a:t>
+                        <a:rPr lang="en-US" sz="1600" dirty="0" err="1" smtClean="0">
+                          <a:effectLst/>
+                        </a:rPr>
+                        <a:t>after_action</a:t>
                       </a:r>
                       <a:endParaRPr lang="en-US" sz="1600" dirty="0">
                         <a:effectLst/>
@@ -4582,7 +4582,7 @@
                     <a:lstStyle/>
                     <a:p>
                       <a:r>
-                        <a:rPr lang="zh-CN" altLang="en-US" sz="1600">
+                        <a:rPr lang="zh-CN" altLang="en-US" sz="1600" dirty="0">
                           <a:effectLst/>
                         </a:rPr>
                         <a:t>定义读写操作后调用的自定义函数，逗号分隔</a:t>
@@ -4599,10 +4599,10 @@
                     <a:lstStyle/>
                     <a:p>
                       <a:r>
-                        <a:rPr lang="en-US" sz="1600" dirty="0" err="1">
-                          <a:effectLst/>
-                        </a:rPr>
-                        <a:t>before_change</a:t>
+                        <a:rPr lang="en-US" sz="1600" dirty="0" err="1" smtClean="0">
+                          <a:effectLst/>
+                        </a:rPr>
+                        <a:t>before_action</a:t>
                       </a:r>
                       <a:endParaRPr lang="en-US" sz="1600" dirty="0">
                         <a:effectLst/>
@@ -4632,7 +4632,7 @@
                     <a:lstStyle/>
                     <a:p>
                       <a:r>
-                        <a:rPr lang="zh-CN" altLang="en-US" sz="1600">
+                        <a:rPr lang="zh-CN" altLang="en-US" sz="1600" dirty="0">
                           <a:effectLst/>
                         </a:rPr>
                         <a:t>定义读写操作前调用的自定义函数，逗号分隔</a:t>
